--- a/src/rpro_ppt6.pptx
+++ b/src/rpro_ppt6.pptx
@@ -201,7 +201,7 @@
             <a:fld id="{FDD434B5-3884-491B-9701-01188EF54E6D}" type="datetimeFigureOut">
               <a:rPr lang="he-IL" smtClean="0"/>
               <a:pPr/>
-              <a:t>ד'/חשון/תשע"ח</a:t>
+              <a:t>י"א/אדר/תשע"ח</a:t>
             </a:fld>
             <a:endParaRPr lang="he-IL"/>
           </a:p>
@@ -1662,7 +1662,7 @@
             <a:fld id="{48A87A34-81AB-432B-8DAE-1953F412C126}" type="datetimeFigureOut">
               <a:rPr lang="en-US" smtClean="0"/>
               <a:pPr/>
-              <a:t>10/24/2017</a:t>
+              <a:t>2/26/2018</a:t>
             </a:fld>
             <a:endParaRPr lang="en-US" dirty="0"/>
           </a:p>
@@ -1714,7 +1714,7 @@
     </p:spTree>
     <p:extLst>
       <p:ext uri="{BB962C8B-B14F-4D97-AF65-F5344CB8AC3E}">
-        <p14:creationId xmlns="" xmlns:p14="http://schemas.microsoft.com/office/powerpoint/2010/main" val="2379700270"/>
+        <p14:creationId xmlns:p14="http://schemas.microsoft.com/office/powerpoint/2010/main" xmlns="" val="2379700270"/>
       </p:ext>
     </p:extLst>
   </p:cSld>
@@ -1915,7 +1915,7 @@
             <a:fld id="{48A87A34-81AB-432B-8DAE-1953F412C126}" type="datetimeFigureOut">
               <a:rPr lang="en-US" smtClean="0"/>
               <a:pPr/>
-              <a:t>10/24/2017</a:t>
+              <a:t>2/26/2018</a:t>
             </a:fld>
             <a:endParaRPr lang="en-US" dirty="0"/>
           </a:p>
@@ -1967,7 +1967,7 @@
     </p:spTree>
     <p:extLst>
       <p:ext uri="{BB962C8B-B14F-4D97-AF65-F5344CB8AC3E}">
-        <p14:creationId xmlns="" xmlns:p14="http://schemas.microsoft.com/office/powerpoint/2010/main" val="1804991245"/>
+        <p14:creationId xmlns:p14="http://schemas.microsoft.com/office/powerpoint/2010/main" xmlns="" val="1804991245"/>
       </p:ext>
     </p:extLst>
   </p:cSld>
@@ -2231,7 +2231,7 @@
             <a:fld id="{48A87A34-81AB-432B-8DAE-1953F412C126}" type="datetimeFigureOut">
               <a:rPr lang="en-US" smtClean="0"/>
               <a:pPr/>
-              <a:t>10/24/2017</a:t>
+              <a:t>2/26/2018</a:t>
             </a:fld>
             <a:endParaRPr lang="en-US" dirty="0"/>
           </a:p>
@@ -2373,7 +2373,7 @@
     </p:spTree>
     <p:extLst>
       <p:ext uri="{BB962C8B-B14F-4D97-AF65-F5344CB8AC3E}">
-        <p14:creationId xmlns="" xmlns:p14="http://schemas.microsoft.com/office/powerpoint/2010/main" val="1473712570"/>
+        <p14:creationId xmlns:p14="http://schemas.microsoft.com/office/powerpoint/2010/main" xmlns="" val="1473712570"/>
       </p:ext>
     </p:extLst>
   </p:cSld>
@@ -2574,7 +2574,7 @@
             <a:fld id="{48A87A34-81AB-432B-8DAE-1953F412C126}" type="datetimeFigureOut">
               <a:rPr lang="en-US" smtClean="0"/>
               <a:pPr/>
-              <a:t>10/24/2017</a:t>
+              <a:t>2/26/2018</a:t>
             </a:fld>
             <a:endParaRPr lang="en-US" dirty="0"/>
           </a:p>
@@ -2626,7 +2626,7 @@
     </p:spTree>
     <p:extLst>
       <p:ext uri="{BB962C8B-B14F-4D97-AF65-F5344CB8AC3E}">
-        <p14:creationId xmlns="" xmlns:p14="http://schemas.microsoft.com/office/powerpoint/2010/main" val="2530574234"/>
+        <p14:creationId xmlns:p14="http://schemas.microsoft.com/office/powerpoint/2010/main" xmlns="" val="2530574234"/>
       </p:ext>
     </p:extLst>
   </p:cSld>
@@ -2890,7 +2890,7 @@
             <a:fld id="{48A87A34-81AB-432B-8DAE-1953F412C126}" type="datetimeFigureOut">
               <a:rPr lang="en-US" smtClean="0"/>
               <a:pPr/>
-              <a:t>10/24/2017</a:t>
+              <a:t>2/26/2018</a:t>
             </a:fld>
             <a:endParaRPr lang="en-US" dirty="0"/>
           </a:p>
@@ -3024,7 +3024,7 @@
     </p:spTree>
     <p:extLst>
       <p:ext uri="{BB962C8B-B14F-4D97-AF65-F5344CB8AC3E}">
-        <p14:creationId xmlns="" xmlns:p14="http://schemas.microsoft.com/office/powerpoint/2010/main" val="1004790222"/>
+        <p14:creationId xmlns:p14="http://schemas.microsoft.com/office/powerpoint/2010/main" xmlns="" val="1004790222"/>
       </p:ext>
     </p:extLst>
   </p:cSld>
@@ -3285,7 +3285,7 @@
             <a:fld id="{48A87A34-81AB-432B-8DAE-1953F412C126}" type="datetimeFigureOut">
               <a:rPr lang="en-US" smtClean="0"/>
               <a:pPr/>
-              <a:t>10/24/2017</a:t>
+              <a:t>2/26/2018</a:t>
             </a:fld>
             <a:endParaRPr lang="en-US" dirty="0"/>
           </a:p>
@@ -3337,7 +3337,7 @@
     </p:spTree>
     <p:extLst>
       <p:ext uri="{BB962C8B-B14F-4D97-AF65-F5344CB8AC3E}">
-        <p14:creationId xmlns="" xmlns:p14="http://schemas.microsoft.com/office/powerpoint/2010/main" val="3328784466"/>
+        <p14:creationId xmlns:p14="http://schemas.microsoft.com/office/powerpoint/2010/main" xmlns="" val="3328784466"/>
       </p:ext>
     </p:extLst>
   </p:cSld>
@@ -3457,7 +3457,7 @@
             <a:fld id="{48A87A34-81AB-432B-8DAE-1953F412C126}" type="datetimeFigureOut">
               <a:rPr lang="en-US" smtClean="0"/>
               <a:pPr/>
-              <a:t>10/24/2017</a:t>
+              <a:t>2/26/2018</a:t>
             </a:fld>
             <a:endParaRPr lang="en-US" dirty="0"/>
           </a:p>
@@ -3509,7 +3509,7 @@
     </p:spTree>
     <p:extLst>
       <p:ext uri="{BB962C8B-B14F-4D97-AF65-F5344CB8AC3E}">
-        <p14:creationId xmlns="" xmlns:p14="http://schemas.microsoft.com/office/powerpoint/2010/main" val="1447070425"/>
+        <p14:creationId xmlns:p14="http://schemas.microsoft.com/office/powerpoint/2010/main" xmlns="" val="1447070425"/>
       </p:ext>
     </p:extLst>
   </p:cSld>
@@ -3639,7 +3639,7 @@
             <a:fld id="{48A87A34-81AB-432B-8DAE-1953F412C126}" type="datetimeFigureOut">
               <a:rPr lang="en-US" smtClean="0"/>
               <a:pPr/>
-              <a:t>10/24/2017</a:t>
+              <a:t>2/26/2018</a:t>
             </a:fld>
             <a:endParaRPr lang="en-US" dirty="0"/>
           </a:p>
@@ -3691,7 +3691,7 @@
     </p:spTree>
     <p:extLst>
       <p:ext uri="{BB962C8B-B14F-4D97-AF65-F5344CB8AC3E}">
-        <p14:creationId xmlns="" xmlns:p14="http://schemas.microsoft.com/office/powerpoint/2010/main" val="3648480235"/>
+        <p14:creationId xmlns:p14="http://schemas.microsoft.com/office/powerpoint/2010/main" xmlns="" val="3648480235"/>
       </p:ext>
     </p:extLst>
   </p:cSld>
@@ -3817,7 +3817,7 @@
             <a:fld id="{48A87A34-81AB-432B-8DAE-1953F412C126}" type="datetimeFigureOut">
               <a:rPr lang="en-US" smtClean="0"/>
               <a:pPr/>
-              <a:t>10/24/2017</a:t>
+              <a:t>2/26/2018</a:t>
             </a:fld>
             <a:endParaRPr lang="en-US" dirty="0"/>
           </a:p>
@@ -3869,7 +3869,7 @@
     </p:spTree>
     <p:extLst>
       <p:ext uri="{BB962C8B-B14F-4D97-AF65-F5344CB8AC3E}">
-        <p14:creationId xmlns="" xmlns:p14="http://schemas.microsoft.com/office/powerpoint/2010/main" val="2649633687"/>
+        <p14:creationId xmlns:p14="http://schemas.microsoft.com/office/powerpoint/2010/main" xmlns="" val="2649633687"/>
       </p:ext>
     </p:extLst>
   </p:cSld>
@@ -4066,7 +4066,7 @@
             <a:fld id="{48A87A34-81AB-432B-8DAE-1953F412C126}" type="datetimeFigureOut">
               <a:rPr lang="en-US" smtClean="0"/>
               <a:pPr/>
-              <a:t>10/24/2017</a:t>
+              <a:t>2/26/2018</a:t>
             </a:fld>
             <a:endParaRPr lang="en-US" dirty="0"/>
           </a:p>
@@ -4118,7 +4118,7 @@
     </p:spTree>
     <p:extLst>
       <p:ext uri="{BB962C8B-B14F-4D97-AF65-F5344CB8AC3E}">
-        <p14:creationId xmlns="" xmlns:p14="http://schemas.microsoft.com/office/powerpoint/2010/main" val="572893903"/>
+        <p14:creationId xmlns:p14="http://schemas.microsoft.com/office/powerpoint/2010/main" xmlns="" val="572893903"/>
       </p:ext>
     </p:extLst>
   </p:cSld>
@@ -4300,7 +4300,7 @@
             <a:fld id="{48A87A34-81AB-432B-8DAE-1953F412C126}" type="datetimeFigureOut">
               <a:rPr lang="en-US" smtClean="0"/>
               <a:pPr/>
-              <a:t>10/24/2017</a:t>
+              <a:t>2/26/2018</a:t>
             </a:fld>
             <a:endParaRPr lang="en-US" dirty="0"/>
           </a:p>
@@ -4352,7 +4352,7 @@
     </p:spTree>
     <p:extLst>
       <p:ext uri="{BB962C8B-B14F-4D97-AF65-F5344CB8AC3E}">
-        <p14:creationId xmlns="" xmlns:p14="http://schemas.microsoft.com/office/powerpoint/2010/main" val="3918475607"/>
+        <p14:creationId xmlns:p14="http://schemas.microsoft.com/office/powerpoint/2010/main" xmlns="" val="3918475607"/>
       </p:ext>
     </p:extLst>
   </p:cSld>
@@ -4676,7 +4676,7 @@
             <a:fld id="{48A87A34-81AB-432B-8DAE-1953F412C126}" type="datetimeFigureOut">
               <a:rPr lang="en-US" smtClean="0"/>
               <a:pPr/>
-              <a:t>10/24/2017</a:t>
+              <a:t>2/26/2018</a:t>
             </a:fld>
             <a:endParaRPr lang="en-US" dirty="0"/>
           </a:p>
@@ -4728,7 +4728,7 @@
     </p:spTree>
     <p:extLst>
       <p:ext uri="{BB962C8B-B14F-4D97-AF65-F5344CB8AC3E}">
-        <p14:creationId xmlns="" xmlns:p14="http://schemas.microsoft.com/office/powerpoint/2010/main" val="70569158"/>
+        <p14:creationId xmlns:p14="http://schemas.microsoft.com/office/powerpoint/2010/main" xmlns="" val="70569158"/>
       </p:ext>
     </p:extLst>
   </p:cSld>
@@ -4801,7 +4801,7 @@
             <a:fld id="{48A87A34-81AB-432B-8DAE-1953F412C126}" type="datetimeFigureOut">
               <a:rPr lang="en-US" smtClean="0"/>
               <a:pPr/>
-              <a:t>10/24/2017</a:t>
+              <a:t>2/26/2018</a:t>
             </a:fld>
             <a:endParaRPr lang="en-US" dirty="0"/>
           </a:p>
@@ -4853,7 +4853,7 @@
     </p:spTree>
     <p:extLst>
       <p:ext uri="{BB962C8B-B14F-4D97-AF65-F5344CB8AC3E}">
-        <p14:creationId xmlns="" xmlns:p14="http://schemas.microsoft.com/office/powerpoint/2010/main" val="3956773614"/>
+        <p14:creationId xmlns:p14="http://schemas.microsoft.com/office/powerpoint/2010/main" xmlns="" val="3956773614"/>
       </p:ext>
     </p:extLst>
   </p:cSld>
@@ -4898,7 +4898,7 @@
             <a:fld id="{48A87A34-81AB-432B-8DAE-1953F412C126}" type="datetimeFigureOut">
               <a:rPr lang="en-US" smtClean="0"/>
               <a:pPr/>
-              <a:t>10/24/2017</a:t>
+              <a:t>2/26/2018</a:t>
             </a:fld>
             <a:endParaRPr lang="en-US" dirty="0"/>
           </a:p>
@@ -4950,7 +4950,7 @@
     </p:spTree>
     <p:extLst>
       <p:ext uri="{BB962C8B-B14F-4D97-AF65-F5344CB8AC3E}">
-        <p14:creationId xmlns="" xmlns:p14="http://schemas.microsoft.com/office/powerpoint/2010/main" val="843387325"/>
+        <p14:creationId xmlns:p14="http://schemas.microsoft.com/office/powerpoint/2010/main" xmlns="" val="843387325"/>
       </p:ext>
     </p:extLst>
   </p:cSld>
@@ -5155,7 +5155,7 @@
             <a:fld id="{48A87A34-81AB-432B-8DAE-1953F412C126}" type="datetimeFigureOut">
               <a:rPr lang="en-US" smtClean="0"/>
               <a:pPr/>
-              <a:t>10/24/2017</a:t>
+              <a:t>2/26/2018</a:t>
             </a:fld>
             <a:endParaRPr lang="en-US" dirty="0"/>
           </a:p>
@@ -5207,7 +5207,7 @@
     </p:spTree>
     <p:extLst>
       <p:ext uri="{BB962C8B-B14F-4D97-AF65-F5344CB8AC3E}">
-        <p14:creationId xmlns="" xmlns:p14="http://schemas.microsoft.com/office/powerpoint/2010/main" val="614752468"/>
+        <p14:creationId xmlns:p14="http://schemas.microsoft.com/office/powerpoint/2010/main" xmlns="" val="614752468"/>
       </p:ext>
     </p:extLst>
   </p:cSld>
@@ -5420,7 +5420,7 @@
             <a:fld id="{48A87A34-81AB-432B-8DAE-1953F412C126}" type="datetimeFigureOut">
               <a:rPr lang="en-US" smtClean="0"/>
               <a:pPr/>
-              <a:t>10/24/2017</a:t>
+              <a:t>2/26/2018</a:t>
             </a:fld>
             <a:endParaRPr lang="en-US" dirty="0"/>
           </a:p>
@@ -5472,7 +5472,7 @@
     </p:spTree>
     <p:extLst>
       <p:ext uri="{BB962C8B-B14F-4D97-AF65-F5344CB8AC3E}">
-        <p14:creationId xmlns="" xmlns:p14="http://schemas.microsoft.com/office/powerpoint/2010/main" val="2525773852"/>
+        <p14:creationId xmlns:p14="http://schemas.microsoft.com/office/powerpoint/2010/main" xmlns="" val="2525773852"/>
       </p:ext>
     </p:extLst>
   </p:cSld>
@@ -6165,7 +6165,7 @@
             <a:fld id="{48A87A34-81AB-432B-8DAE-1953F412C126}" type="datetimeFigureOut">
               <a:rPr lang="en-US" smtClean="0"/>
               <a:pPr/>
-              <a:t>10/24/2017</a:t>
+              <a:t>2/26/2018</a:t>
             </a:fld>
             <a:endParaRPr lang="en-US" dirty="0"/>
           </a:p>
@@ -6251,7 +6251,7 @@
     </p:spTree>
     <p:extLst>
       <p:ext uri="{BB962C8B-B14F-4D97-AF65-F5344CB8AC3E}">
-        <p14:creationId xmlns="" xmlns:p14="http://schemas.microsoft.com/office/powerpoint/2010/main" val="2849168193"/>
+        <p14:creationId xmlns:p14="http://schemas.microsoft.com/office/powerpoint/2010/main" xmlns="" val="2849168193"/>
       </p:ext>
     </p:extLst>
   </p:cSld>
@@ -6726,7 +6726,7 @@
     </p:spTree>
     <p:extLst>
       <p:ext uri="{BB962C8B-B14F-4D97-AF65-F5344CB8AC3E}">
-        <p14:creationId xmlns="" xmlns:p14="http://schemas.microsoft.com/office/powerpoint/2010/main" val="1597654807"/>
+        <p14:creationId xmlns:p14="http://schemas.microsoft.com/office/powerpoint/2010/main" xmlns="" val="1597654807"/>
       </p:ext>
     </p:extLst>
   </p:cSld>
@@ -6863,7 +6863,7 @@
     </p:spTree>
     <p:extLst>
       <p:ext uri="{BB962C8B-B14F-4D97-AF65-F5344CB8AC3E}">
-        <p14:creationId xmlns="" xmlns:p14="http://schemas.microsoft.com/office/powerpoint/2010/main" val="2508929371"/>
+        <p14:creationId xmlns:p14="http://schemas.microsoft.com/office/powerpoint/2010/main" xmlns="" val="2508929371"/>
       </p:ext>
     </p:extLst>
   </p:cSld>
@@ -6965,7 +6965,7 @@
     </p:spTree>
     <p:extLst>
       <p:ext uri="{BB962C8B-B14F-4D97-AF65-F5344CB8AC3E}">
-        <p14:creationId xmlns="" xmlns:p14="http://schemas.microsoft.com/office/powerpoint/2010/main" val="2508929371"/>
+        <p14:creationId xmlns:p14="http://schemas.microsoft.com/office/powerpoint/2010/main" xmlns="" val="2508929371"/>
       </p:ext>
     </p:extLst>
   </p:cSld>
@@ -7172,7 +7172,7 @@
     </p:spTree>
     <p:extLst>
       <p:ext uri="{BB962C8B-B14F-4D97-AF65-F5344CB8AC3E}">
-        <p14:creationId xmlns="" xmlns:p14="http://schemas.microsoft.com/office/powerpoint/2010/main" val="2508929371"/>
+        <p14:creationId xmlns:p14="http://schemas.microsoft.com/office/powerpoint/2010/main" xmlns="" val="2508929371"/>
       </p:ext>
     </p:extLst>
   </p:cSld>
@@ -7422,7 +7422,7 @@
     </p:spTree>
     <p:extLst>
       <p:ext uri="{BB962C8B-B14F-4D97-AF65-F5344CB8AC3E}">
-        <p14:creationId xmlns="" xmlns:p14="http://schemas.microsoft.com/office/powerpoint/2010/main" val="2508929371"/>
+        <p14:creationId xmlns:p14="http://schemas.microsoft.com/office/powerpoint/2010/main" xmlns="" val="2508929371"/>
       </p:ext>
     </p:extLst>
   </p:cSld>
@@ -7608,7 +7608,7 @@
     </p:spTree>
     <p:extLst>
       <p:ext uri="{BB962C8B-B14F-4D97-AF65-F5344CB8AC3E}">
-        <p14:creationId xmlns="" xmlns:p14="http://schemas.microsoft.com/office/powerpoint/2010/main" val="2508929371"/>
+        <p14:creationId xmlns:p14="http://schemas.microsoft.com/office/powerpoint/2010/main" xmlns="" val="2508929371"/>
       </p:ext>
     </p:extLst>
   </p:cSld>
@@ -7711,7 +7711,19 @@
                   </a:prstClr>
                 </a:solidFill>
               </a:rPr>
-              <a:t> חוברת עבודה עצמית </a:t>
+              <a:t> </a:t>
+            </a:r>
+            <a:r>
+              <a:rPr lang="he-IL" sz="4000" dirty="0" smtClean="0">
+                <a:solidFill>
+                  <a:prstClr val="black">
+                    <a:lumMod val="75000"/>
+                    <a:lumOff val="25000"/>
+                  </a:prstClr>
+                </a:solidFill>
+                <a:hlinkClick r:id="rId3"/>
+              </a:rPr>
+              <a:t>חוברת עבודה עצמית </a:t>
             </a:r>
             <a:r>
               <a:rPr lang="he-IL" sz="4000" dirty="0" smtClean="0">
@@ -7788,30 +7800,10 @@
           </a:p>
         </p:txBody>
       </p:sp>
-      <p:graphicFrame>
-        <p:nvGraphicFramePr>
-          <p:cNvPr id="6" name="Object 5"/>
-          <p:cNvGraphicFramePr>
-            <a:graphicFrameLocks noChangeAspect="1"/>
-          </p:cNvGraphicFramePr>
-          <p:nvPr/>
-        </p:nvGraphicFramePr>
-        <p:xfrm>
-          <a:off x="4122821" y="3795629"/>
-          <a:ext cx="1917032" cy="1617496"/>
-        </p:xfrm>
-        <a:graphic>
-          <a:graphicData uri="http://schemas.openxmlformats.org/presentationml/2006/ole">
-            <p:oleObj spid="_x0000_s1027" name="Document" showAsIcon="1" r:id="rId4" imgW="914400" imgH="771480" progId="Word.Document.12">
-              <p:embed/>
-            </p:oleObj>
-          </a:graphicData>
-        </a:graphic>
-      </p:graphicFrame>
     </p:spTree>
     <p:extLst>
       <p:ext uri="{BB962C8B-B14F-4D97-AF65-F5344CB8AC3E}">
-        <p14:creationId xmlns="" xmlns:p14="http://schemas.microsoft.com/office/powerpoint/2010/main" val="2508929371"/>
+        <p14:creationId xmlns:p14="http://schemas.microsoft.com/office/powerpoint/2010/main" xmlns="" val="2508929371"/>
       </p:ext>
     </p:extLst>
   </p:cSld>
@@ -7870,11 +7862,7 @@
             <a:pPr algn="r"/>
             <a:r>
               <a:rPr lang="he-IL" sz="4400" b="1" dirty="0" smtClean="0"/>
-              <a:t>תכנות </a:t>
-            </a:r>
-            <a:r>
-              <a:rPr lang="he-IL" sz="4400" b="1" dirty="0" smtClean="0"/>
-              <a:t>מתקדם לדגם</a:t>
+              <a:t>תכנות מתקדם לדגם</a:t>
             </a:r>
             <a:endParaRPr lang="he-IL" sz="4400" b="1" dirty="0"/>
           </a:p>
@@ -7923,51 +7911,7 @@
                   </a:prstClr>
                 </a:solidFill>
               </a:rPr>
-              <a:t> כאשר </a:t>
-            </a:r>
-            <a:r>
-              <a:rPr lang="he-IL" sz="4000" dirty="0" smtClean="0">
-                <a:solidFill>
-                  <a:prstClr val="black">
-                    <a:lumMod val="75000"/>
-                    <a:lumOff val="25000"/>
-                  </a:prstClr>
-                </a:solidFill>
-              </a:rPr>
-              <a:t>מכונית מתקרבת </a:t>
-            </a:r>
-            <a:r>
-              <a:rPr lang="he-IL" sz="4000" dirty="0" smtClean="0">
-                <a:solidFill>
-                  <a:prstClr val="black">
-                    <a:lumMod val="75000"/>
-                    <a:lumOff val="25000"/>
-                  </a:prstClr>
-                </a:solidFill>
-              </a:rPr>
-              <a:t>למחסום היא חוצה </a:t>
-            </a:r>
-            <a:r>
-              <a:rPr lang="he-IL" sz="4000" dirty="0" smtClean="0">
-                <a:solidFill>
-                  <a:prstClr val="black">
-                    <a:lumMod val="75000"/>
-                    <a:lumOff val="25000"/>
-                  </a:prstClr>
-                </a:solidFill>
-              </a:rPr>
-              <a:t>את מחסום האור </a:t>
-            </a:r>
-            <a:r>
-              <a:rPr lang="he-IL" sz="4000" dirty="0" smtClean="0">
-                <a:solidFill>
-                  <a:prstClr val="black">
-                    <a:lumMod val="75000"/>
-                    <a:lumOff val="25000"/>
-                  </a:prstClr>
-                </a:solidFill>
-              </a:rPr>
-              <a:t>של החיישן הדיגיטלי והמחסום ייפתח במלואו למשך 5 שניות ואז ייסגר שוב – בתנאי שהמכונית התקדמה וכבר לא מפריעה למחסום האור (אחרת הוא עלול לפגוע בה).</a:t>
+              <a:t> כאשר מכונית מתקרבת למחסום היא חוצה את מחסום האור של החיישן הדיגיטלי והמחסום ייפתח במלואו למשך 5 שניות ואז ייסגר שוב – בתנאי שהמכונית התקדמה וכבר לא מפריעה למחסום האור (אחרת הוא עלול לפגוע בה).</a:t>
             </a:r>
           </a:p>
           <a:p>
@@ -7991,34 +7935,15 @@
                   </a:prstClr>
                 </a:solidFill>
               </a:rPr>
-              <a:t> </a:t>
-            </a:r>
-            <a:r>
-              <a:rPr lang="he-IL" sz="4000" dirty="0" smtClean="0">
-                <a:solidFill>
-                  <a:prstClr val="black">
-                    <a:lumMod val="75000"/>
-                    <a:lumOff val="25000"/>
-                  </a:prstClr>
-                </a:solidFill>
-              </a:rPr>
-              <a:t>הרמזור יהיה אדום כאשר המחסום למטה וירוק כאשר המחסום למעלה.</a:t>
-            </a:r>
-            <a:endParaRPr lang="he-IL" sz="4000" dirty="0" smtClean="0">
-              <a:solidFill>
-                <a:prstClr val="black">
-                  <a:lumMod val="75000"/>
-                  <a:lumOff val="25000"/>
-                </a:prstClr>
-              </a:solidFill>
-            </a:endParaRPr>
+              <a:t> הרמזור יהיה אדום כאשר המחסום למטה וירוק כאשר המחסום למעלה.</a:t>
+            </a:r>
           </a:p>
         </p:txBody>
       </p:sp>
     </p:spTree>
     <p:extLst>
       <p:ext uri="{BB962C8B-B14F-4D97-AF65-F5344CB8AC3E}">
-        <p14:creationId xmlns="" xmlns:p14="http://schemas.microsoft.com/office/powerpoint/2010/main" val="2508929371"/>
+        <p14:creationId xmlns:p14="http://schemas.microsoft.com/office/powerpoint/2010/main" xmlns="" val="2508929371"/>
       </p:ext>
     </p:extLst>
   </p:cSld>
@@ -8154,7 +8079,7 @@
     </p:spTree>
     <p:extLst>
       <p:ext uri="{BB962C8B-B14F-4D97-AF65-F5344CB8AC3E}">
-        <p14:creationId xmlns:p14="http://schemas.microsoft.com/office/powerpoint/2010/main" xmlns="" val="2508929371"/>
+        <p14:creationId xmlns="" xmlns:p14="http://schemas.microsoft.com/office/powerpoint/2010/main" val="2508929371"/>
       </p:ext>
     </p:extLst>
   </p:cSld>
@@ -8422,7 +8347,7 @@
   <a:extraClrSchemeLst/>
   <a:extLst>
     <a:ext uri="{05A4C25C-085E-4340-85A3-A5531E510DB2}">
-      <thm15:themeFamily xmlns="" xmlns:thm15="http://schemas.microsoft.com/office/thememl/2012/main" name="Facet" id="{C0C680CD-088A-49FC-A102-D699147F32B2}" vid="{CFBC31BA-B70F-4F30-BCAA-4F3011E16C4D}"/>
+      <thm15:themeFamily xmlns:thm15="http://schemas.microsoft.com/office/thememl/2012/main" xmlns="" name="Facet" id="{C0C680CD-088A-49FC-A102-D699147F32B2}" vid="{CFBC31BA-B70F-4F30-BCAA-4F3011E16C4D}"/>
     </a:ext>
   </a:extLst>
 </a:theme>
